--- a/5주차/Cannyedge& corner detection (이민한)-24.10.01.pptx
+++ b/5주차/Cannyedge& corner detection (이민한)-24.10.01.pptx
@@ -4392,48 +4392,6 @@
             <a:r>
               <a:rPr lang="ko-KR" altLang="en-US" i="1" dirty="0"/>
               <a:t>이민한</a:t>
-            </a:r>
-          </a:p>
-        </p:txBody>
-      </p:sp>
-      <p:sp>
-        <p:nvSpPr>
-          <p:cNvPr id="2" name="TextBox 1">
-            <a:extLst>
-              <a:ext uri="{FF2B5EF4-FFF2-40B4-BE49-F238E27FC236}">
-                <a16:creationId xmlns:a16="http://schemas.microsoft.com/office/drawing/2014/main" id="{EBD6F926-4260-AE42-2F14-35D276B9666B}"/>
-              </a:ext>
-            </a:extLst>
-          </p:cNvPr>
-          <p:cNvSpPr txBox="1"/>
-          <p:nvPr/>
-        </p:nvSpPr>
-        <p:spPr>
-          <a:xfrm>
-            <a:off x="4279322" y="2031714"/>
-            <a:ext cx="5782195" cy="369332"/>
-          </a:xfrm>
-          <a:prstGeom prst="rect">
-            <a:avLst/>
-          </a:prstGeom>
-          <a:noFill/>
-        </p:spPr>
-        <p:txBody>
-          <a:bodyPr wrap="square" rtlCol="0">
-            <a:spAutoFit/>
-          </a:bodyPr>
-          <a:lstStyle/>
-          <a:p>
-            <a:pPr algn="l"/>
-            <a:r>
-              <a:rPr lang="en-US" altLang="ko-KR" b="1" i="0" dirty="0">
-                <a:solidFill>
-                  <a:srgbClr val="0F0F0F"/>
-                </a:solidFill>
-                <a:effectLst/>
-                <a:latin typeface="Roboto" panose="020F0502020204030204" pitchFamily="2" charset="0"/>
-              </a:rPr>
-              <a:t>Template matching~ Convolution</a:t>
             </a:r>
           </a:p>
         </p:txBody>
